--- a/Poker Chronicles.pptx
+++ b/Poker Chronicles.pptx
@@ -104,6 +104,11 @@
       </a:defRPr>
     </a:lvl9pPr>
   </p:defaultTextStyle>
+  <p:extLst>
+    <p:ext uri="{EFAFB233-063F-42B5-8137-9DF3F51BA10A}">
+      <p15:sldGuideLst xmlns:p15="http://schemas.microsoft.com/office/powerpoint/2012/main"/>
+    </p:ext>
+  </p:extLst>
 </p:presentation>
 </file>
 
@@ -238,7 +243,7 @@
           <a:p>
             <a:fld id="{510E0D69-2FA6-4DF2-9043-EED363A9FB65}" type="datetimeFigureOut">
               <a:rPr lang="en-US" smtClean="0"/>
-              <a:t>10/9/2023</a:t>
+              <a:t>10/10/2023</a:t>
             </a:fld>
             <a:endParaRPr lang="en-US"/>
           </a:p>
@@ -408,7 +413,7 @@
           <a:p>
             <a:fld id="{510E0D69-2FA6-4DF2-9043-EED363A9FB65}" type="datetimeFigureOut">
               <a:rPr lang="en-US" smtClean="0"/>
-              <a:t>10/9/2023</a:t>
+              <a:t>10/10/2023</a:t>
             </a:fld>
             <a:endParaRPr lang="en-US"/>
           </a:p>
@@ -588,7 +593,7 @@
           <a:p>
             <a:fld id="{510E0D69-2FA6-4DF2-9043-EED363A9FB65}" type="datetimeFigureOut">
               <a:rPr lang="en-US" smtClean="0"/>
-              <a:t>10/9/2023</a:t>
+              <a:t>10/10/2023</a:t>
             </a:fld>
             <a:endParaRPr lang="en-US"/>
           </a:p>
@@ -758,7 +763,7 @@
           <a:p>
             <a:fld id="{510E0D69-2FA6-4DF2-9043-EED363A9FB65}" type="datetimeFigureOut">
               <a:rPr lang="en-US" smtClean="0"/>
-              <a:t>10/9/2023</a:t>
+              <a:t>10/10/2023</a:t>
             </a:fld>
             <a:endParaRPr lang="en-US"/>
           </a:p>
@@ -1004,7 +1009,7 @@
           <a:p>
             <a:fld id="{510E0D69-2FA6-4DF2-9043-EED363A9FB65}" type="datetimeFigureOut">
               <a:rPr lang="en-US" smtClean="0"/>
-              <a:t>10/9/2023</a:t>
+              <a:t>10/10/2023</a:t>
             </a:fld>
             <a:endParaRPr lang="en-US"/>
           </a:p>
@@ -1236,7 +1241,7 @@
           <a:p>
             <a:fld id="{510E0D69-2FA6-4DF2-9043-EED363A9FB65}" type="datetimeFigureOut">
               <a:rPr lang="en-US" smtClean="0"/>
-              <a:t>10/9/2023</a:t>
+              <a:t>10/10/2023</a:t>
             </a:fld>
             <a:endParaRPr lang="en-US"/>
           </a:p>
@@ -1603,7 +1608,7 @@
           <a:p>
             <a:fld id="{510E0D69-2FA6-4DF2-9043-EED363A9FB65}" type="datetimeFigureOut">
               <a:rPr lang="en-US" smtClean="0"/>
-              <a:t>10/9/2023</a:t>
+              <a:t>10/10/2023</a:t>
             </a:fld>
             <a:endParaRPr lang="en-US"/>
           </a:p>
@@ -1721,7 +1726,7 @@
           <a:p>
             <a:fld id="{510E0D69-2FA6-4DF2-9043-EED363A9FB65}" type="datetimeFigureOut">
               <a:rPr lang="en-US" smtClean="0"/>
-              <a:t>10/9/2023</a:t>
+              <a:t>10/10/2023</a:t>
             </a:fld>
             <a:endParaRPr lang="en-US"/>
           </a:p>
@@ -1816,7 +1821,7 @@
           <a:p>
             <a:fld id="{510E0D69-2FA6-4DF2-9043-EED363A9FB65}" type="datetimeFigureOut">
               <a:rPr lang="en-US" smtClean="0"/>
-              <a:t>10/9/2023</a:t>
+              <a:t>10/10/2023</a:t>
             </a:fld>
             <a:endParaRPr lang="en-US"/>
           </a:p>
@@ -2093,7 +2098,7 @@
           <a:p>
             <a:fld id="{510E0D69-2FA6-4DF2-9043-EED363A9FB65}" type="datetimeFigureOut">
               <a:rPr lang="en-US" smtClean="0"/>
-              <a:t>10/9/2023</a:t>
+              <a:t>10/10/2023</a:t>
             </a:fld>
             <a:endParaRPr lang="en-US"/>
           </a:p>
@@ -2346,7 +2351,7 @@
           <a:p>
             <a:fld id="{510E0D69-2FA6-4DF2-9043-EED363A9FB65}" type="datetimeFigureOut">
               <a:rPr lang="en-US" smtClean="0"/>
-              <a:t>10/9/2023</a:t>
+              <a:t>10/10/2023</a:t>
             </a:fld>
             <a:endParaRPr lang="en-US"/>
           </a:p>
@@ -2559,7 +2564,7 @@
           <a:p>
             <a:fld id="{510E0D69-2FA6-4DF2-9043-EED363A9FB65}" type="datetimeFigureOut">
               <a:rPr lang="en-US" smtClean="0"/>
-              <a:t>10/9/2023</a:t>
+              <a:t>10/10/2023</a:t>
             </a:fld>
             <a:endParaRPr lang="en-US"/>
           </a:p>
@@ -3019,7 +3024,7 @@
         <p:spPr>
           <a:xfrm>
             <a:off x="298450" y="311150"/>
-            <a:ext cx="1596912" cy="338554"/>
+            <a:ext cx="2250937" cy="707886"/>
           </a:xfrm>
           <a:prstGeom prst="rect">
             <a:avLst/>
@@ -3037,13 +3042,67 @@
               <a:buAutoNum type="arabicPeriod"/>
             </a:pPr>
             <a:r>
-              <a:rPr lang="en-US" sz="800" smtClean="0"/>
-              <a:t>Put the rank </a:t>
-            </a:r>
-            <a:r>
               <a:rPr lang="en-US" sz="800" dirty="0" smtClean="0"/>
-              <a:t>of each of card.</a:t>
-            </a:r>
+              <a:t>Put the rank of each of </a:t>
+            </a:r>
+            <a:r>
+              <a:rPr lang="en-US" sz="800" dirty="0" smtClean="0"/>
+              <a:t>card into a list </a:t>
+            </a:r>
+            <a:r>
+              <a:rPr lang="en-US" sz="800" dirty="0" smtClean="0">
+                <a:latin typeface="Arial" panose="020B0604020202020204" pitchFamily="34" charset="0"/>
+                <a:cs typeface="Arial" panose="020B0604020202020204" pitchFamily="34" charset="0"/>
+              </a:rPr>
+              <a:t>→ </a:t>
+            </a:r>
+            <a:r>
+              <a:rPr lang="en-US" sz="800" dirty="0" smtClean="0"/>
+              <a:t>HR</a:t>
+            </a:r>
+          </a:p>
+          <a:p>
+            <a:pPr marL="228600" indent="-228600">
+              <a:buFont typeface="+mj-lt"/>
+              <a:buAutoNum type="arabicPeriod"/>
+            </a:pPr>
+            <a:r>
+              <a:rPr lang="en-US" sz="800" dirty="0" smtClean="0"/>
+              <a:t>Put </a:t>
+            </a:r>
+            <a:r>
+              <a:rPr lang="en-US" sz="800" dirty="0"/>
+              <a:t>the </a:t>
+            </a:r>
+            <a:r>
+              <a:rPr lang="en-US" sz="800" dirty="0" smtClean="0"/>
+              <a:t>suit </a:t>
+            </a:r>
+            <a:r>
+              <a:rPr lang="en-US" sz="800" dirty="0"/>
+              <a:t>of each of card into a list </a:t>
+            </a:r>
+            <a:r>
+              <a:rPr lang="en-US" sz="800" dirty="0">
+                <a:latin typeface="Arial" panose="020B0604020202020204" pitchFamily="34" charset="0"/>
+                <a:cs typeface="Arial" panose="020B0604020202020204" pitchFamily="34" charset="0"/>
+              </a:rPr>
+              <a:t>→ </a:t>
+            </a:r>
+            <a:r>
+              <a:rPr lang="en-US" sz="800" dirty="0" smtClean="0"/>
+              <a:t>HS</a:t>
+            </a:r>
+            <a:endParaRPr lang="en-US" sz="800" dirty="0"/>
+          </a:p>
+          <a:p>
+            <a:endParaRPr lang="en-US" sz="800" dirty="0" smtClean="0">
+              <a:latin typeface="Arial" panose="020B0604020202020204" pitchFamily="34" charset="0"/>
+              <a:cs typeface="Arial" panose="020B0604020202020204" pitchFamily="34" charset="0"/>
+            </a:endParaRPr>
+          </a:p>
+          <a:p>
+            <a:endParaRPr lang="en-US" sz="800" dirty="0" smtClean="0"/>
           </a:p>
           <a:p>
             <a:pPr marL="228600" indent="-228600">
